--- a/resources/ppt-slides/control-flow-case-statement.pptx
+++ b/resources/ppt-slides/control-flow-case-statement.pptx
@@ -253,7 +253,7 @@
           <a:p>
             <a:fld id="{964302DC-9F53-934F-AE4D-0F1F197008C1}" type="datetimeFigureOut">
               <a:rPr lang="en-US" smtClean="0"/>
-              <a:t>2/8/24</a:t>
+              <a:t>10/4/23</a:t>
             </a:fld>
             <a:endParaRPr lang="en-US"/>
           </a:p>
@@ -423,7 +423,7 @@
           <a:p>
             <a:fld id="{964302DC-9F53-934F-AE4D-0F1F197008C1}" type="datetimeFigureOut">
               <a:rPr lang="en-US" smtClean="0"/>
-              <a:t>2/8/24</a:t>
+              <a:t>10/4/23</a:t>
             </a:fld>
             <a:endParaRPr lang="en-US"/>
           </a:p>
@@ -603,7 +603,7 @@
           <a:p>
             <a:fld id="{964302DC-9F53-934F-AE4D-0F1F197008C1}" type="datetimeFigureOut">
               <a:rPr lang="en-US" smtClean="0"/>
-              <a:t>2/8/24</a:t>
+              <a:t>10/4/23</a:t>
             </a:fld>
             <a:endParaRPr lang="en-US"/>
           </a:p>
@@ -773,7 +773,7 @@
           <a:p>
             <a:fld id="{964302DC-9F53-934F-AE4D-0F1F197008C1}" type="datetimeFigureOut">
               <a:rPr lang="en-US" smtClean="0"/>
-              <a:t>2/8/24</a:t>
+              <a:t>10/4/23</a:t>
             </a:fld>
             <a:endParaRPr lang="en-US"/>
           </a:p>
@@ -1017,7 +1017,7 @@
           <a:p>
             <a:fld id="{964302DC-9F53-934F-AE4D-0F1F197008C1}" type="datetimeFigureOut">
               <a:rPr lang="en-US" smtClean="0"/>
-              <a:t>2/8/24</a:t>
+              <a:t>10/4/23</a:t>
             </a:fld>
             <a:endParaRPr lang="en-US"/>
           </a:p>
@@ -1249,7 +1249,7 @@
           <a:p>
             <a:fld id="{964302DC-9F53-934F-AE4D-0F1F197008C1}" type="datetimeFigureOut">
               <a:rPr lang="en-US" smtClean="0"/>
-              <a:t>2/8/24</a:t>
+              <a:t>10/4/23</a:t>
             </a:fld>
             <a:endParaRPr lang="en-US"/>
           </a:p>
@@ -1616,7 +1616,7 @@
           <a:p>
             <a:fld id="{964302DC-9F53-934F-AE4D-0F1F197008C1}" type="datetimeFigureOut">
               <a:rPr lang="en-US" smtClean="0"/>
-              <a:t>2/8/24</a:t>
+              <a:t>10/4/23</a:t>
             </a:fld>
             <a:endParaRPr lang="en-US"/>
           </a:p>
@@ -1734,7 +1734,7 @@
           <a:p>
             <a:fld id="{964302DC-9F53-934F-AE4D-0F1F197008C1}" type="datetimeFigureOut">
               <a:rPr lang="en-US" smtClean="0"/>
-              <a:t>2/8/24</a:t>
+              <a:t>10/4/23</a:t>
             </a:fld>
             <a:endParaRPr lang="en-US"/>
           </a:p>
@@ -1829,7 +1829,7 @@
           <a:p>
             <a:fld id="{964302DC-9F53-934F-AE4D-0F1F197008C1}" type="datetimeFigureOut">
               <a:rPr lang="en-US" smtClean="0"/>
-              <a:t>2/8/24</a:t>
+              <a:t>10/4/23</a:t>
             </a:fld>
             <a:endParaRPr lang="en-US"/>
           </a:p>
@@ -2106,7 +2106,7 @@
           <a:p>
             <a:fld id="{964302DC-9F53-934F-AE4D-0F1F197008C1}" type="datetimeFigureOut">
               <a:rPr lang="en-US" smtClean="0"/>
-              <a:t>2/8/24</a:t>
+              <a:t>10/4/23</a:t>
             </a:fld>
             <a:endParaRPr lang="en-US"/>
           </a:p>
@@ -2363,7 +2363,7 @@
           <a:p>
             <a:fld id="{964302DC-9F53-934F-AE4D-0F1F197008C1}" type="datetimeFigureOut">
               <a:rPr lang="en-US" smtClean="0"/>
-              <a:t>2/8/24</a:t>
+              <a:t>10/4/23</a:t>
             </a:fld>
             <a:endParaRPr lang="en-US"/>
           </a:p>
@@ -2428,18 +2428,9 @@
 <p:sldMaster xmlns:a="http://schemas.openxmlformats.org/drawingml/2006/main" xmlns:r="http://schemas.openxmlformats.org/officeDocument/2006/relationships" xmlns:p="http://schemas.openxmlformats.org/presentationml/2006/main">
   <p:cSld>
     <p:bg>
-      <p:bgPr>
-        <a:blipFill dpi="0" rotWithShape="1">
-          <a:blip r:embed="rId13">
-            <a:lum/>
-          </a:blip>
-          <a:srcRect/>
-          <a:stretch>
-            <a:fillRect/>
-          </a:stretch>
-        </a:blipFill>
-        <a:effectLst/>
-      </p:bgPr>
+      <p:bgRef idx="1001">
+        <a:schemeClr val="bg1"/>
+      </p:bgRef>
     </p:bg>
     <p:spTree>
       <p:nvGrpSpPr>
@@ -2585,7 +2576,7 @@
           <a:p>
             <a:fld id="{964302DC-9F53-934F-AE4D-0F1F197008C1}" type="datetimeFigureOut">
               <a:rPr lang="en-US" smtClean="0"/>
-              <a:t>2/8/24</a:t>
+              <a:t>10/4/23</a:t>
             </a:fld>
             <a:endParaRPr lang="en-US"/>
           </a:p>
@@ -2976,6 +2967,20 @@
 <file path=ppt/slides/slide1.xml><?xml version="1.0" encoding="utf-8"?>
 <p:sld xmlns:a="http://schemas.openxmlformats.org/drawingml/2006/main" xmlns:r="http://schemas.openxmlformats.org/officeDocument/2006/relationships" xmlns:p="http://schemas.openxmlformats.org/presentationml/2006/main">
   <p:cSld>
+    <p:bg>
+      <p:bgPr>
+        <a:blipFill dpi="0" rotWithShape="1">
+          <a:blip r:embed="rId2">
+            <a:lum/>
+          </a:blip>
+          <a:srcRect/>
+          <a:stretch>
+            <a:fillRect/>
+          </a:stretch>
+        </a:blipFill>
+        <a:effectLst/>
+      </p:bgPr>
+    </p:bg>
     <p:spTree>
       <p:nvGrpSpPr>
         <p:cNvPr id="1" name=""/>
@@ -3235,7 +3240,7 @@
               <p:nvPr/>
             </p:nvPicPr>
             <p:blipFill>
-              <a:blip r:embed="rId2">
+              <a:blip r:embed="rId3">
                 <a:alphaModFix amt="30000"/>
               </a:blip>
               <a:stretch>
@@ -5326,7 +5331,7 @@
             <p:nvPr/>
           </p:nvPicPr>
           <p:blipFill>
-            <a:blip r:embed="rId3">
+            <a:blip r:embed="rId4">
               <a:alphaModFix amt="30000"/>
             </a:blip>
             <a:stretch>
@@ -5415,6 +5420,272 @@
               <a:r>
                 <a:rPr lang="en-US" dirty="0"/>
                 <a:t>C</a:t>
+              </a:r>
+            </a:p>
+          </p:txBody>
+        </p:sp>
+        <p:sp>
+          <p:nvSpPr>
+            <p:cNvPr id="9" name="Rectangle 8">
+              <a:extLst>
+                <a:ext uri="{FF2B5EF4-FFF2-40B4-BE49-F238E27FC236}">
+                  <a16:creationId xmlns:a16="http://schemas.microsoft.com/office/drawing/2014/main" id="{5DC39B20-F863-7C67-FD78-60CFCC23A0E8}"/>
+                </a:ext>
+              </a:extLst>
+            </p:cNvPr>
+            <p:cNvSpPr/>
+            <p:nvPr/>
+          </p:nvSpPr>
+          <p:spPr>
+            <a:xfrm>
+              <a:off x="5034017" y="-2432404"/>
+              <a:ext cx="2127795" cy="1085065"/>
+            </a:xfrm>
+            <a:custGeom>
+              <a:avLst/>
+              <a:gdLst>
+                <a:gd name="connsiteX0" fmla="*/ 0 w 2127795"/>
+                <a:gd name="connsiteY0" fmla="*/ 0 h 1085065"/>
+                <a:gd name="connsiteX1" fmla="*/ 510671 w 2127795"/>
+                <a:gd name="connsiteY1" fmla="*/ 0 h 1085065"/>
+                <a:gd name="connsiteX2" fmla="*/ 1042620 w 2127795"/>
+                <a:gd name="connsiteY2" fmla="*/ 0 h 1085065"/>
+                <a:gd name="connsiteX3" fmla="*/ 1595846 w 2127795"/>
+                <a:gd name="connsiteY3" fmla="*/ 0 h 1085065"/>
+                <a:gd name="connsiteX4" fmla="*/ 2127795 w 2127795"/>
+                <a:gd name="connsiteY4" fmla="*/ 0 h 1085065"/>
+                <a:gd name="connsiteX5" fmla="*/ 2127795 w 2127795"/>
+                <a:gd name="connsiteY5" fmla="*/ 553383 h 1085065"/>
+                <a:gd name="connsiteX6" fmla="*/ 2127795 w 2127795"/>
+                <a:gd name="connsiteY6" fmla="*/ 1085065 h 1085065"/>
+                <a:gd name="connsiteX7" fmla="*/ 1553290 w 2127795"/>
+                <a:gd name="connsiteY7" fmla="*/ 1085065 h 1085065"/>
+                <a:gd name="connsiteX8" fmla="*/ 978786 w 2127795"/>
+                <a:gd name="connsiteY8" fmla="*/ 1085065 h 1085065"/>
+                <a:gd name="connsiteX9" fmla="*/ 0 w 2127795"/>
+                <a:gd name="connsiteY9" fmla="*/ 1085065 h 1085065"/>
+                <a:gd name="connsiteX10" fmla="*/ 0 w 2127795"/>
+                <a:gd name="connsiteY10" fmla="*/ 553383 h 1085065"/>
+                <a:gd name="connsiteX11" fmla="*/ 0 w 2127795"/>
+                <a:gd name="connsiteY11" fmla="*/ 0 h 1085065"/>
+              </a:gdLst>
+              <a:ahLst/>
+              <a:cxnLst>
+                <a:cxn ang="0">
+                  <a:pos x="connsiteX0" y="connsiteY0"/>
+                </a:cxn>
+                <a:cxn ang="0">
+                  <a:pos x="connsiteX1" y="connsiteY1"/>
+                </a:cxn>
+                <a:cxn ang="0">
+                  <a:pos x="connsiteX2" y="connsiteY2"/>
+                </a:cxn>
+                <a:cxn ang="0">
+                  <a:pos x="connsiteX3" y="connsiteY3"/>
+                </a:cxn>
+                <a:cxn ang="0">
+                  <a:pos x="connsiteX4" y="connsiteY4"/>
+                </a:cxn>
+                <a:cxn ang="0">
+                  <a:pos x="connsiteX5" y="connsiteY5"/>
+                </a:cxn>
+                <a:cxn ang="0">
+                  <a:pos x="connsiteX6" y="connsiteY6"/>
+                </a:cxn>
+                <a:cxn ang="0">
+                  <a:pos x="connsiteX7" y="connsiteY7"/>
+                </a:cxn>
+                <a:cxn ang="0">
+                  <a:pos x="connsiteX8" y="connsiteY8"/>
+                </a:cxn>
+                <a:cxn ang="0">
+                  <a:pos x="connsiteX9" y="connsiteY9"/>
+                </a:cxn>
+                <a:cxn ang="0">
+                  <a:pos x="connsiteX10" y="connsiteY10"/>
+                </a:cxn>
+                <a:cxn ang="0">
+                  <a:pos x="connsiteX11" y="connsiteY11"/>
+                </a:cxn>
+              </a:cxnLst>
+              <a:rect l="l" t="t" r="r" b="b"/>
+              <a:pathLst>
+                <a:path w="2127795" h="1085065" fill="none" extrusionOk="0">
+                  <a:moveTo>
+                    <a:pt x="0" y="0"/>
+                  </a:moveTo>
+                  <a:cubicBezTo>
+                    <a:pt x="119302" y="-23815"/>
+                    <a:pt x="321953" y="-4268"/>
+                    <a:pt x="510671" y="0"/>
+                  </a:cubicBezTo>
+                  <a:cubicBezTo>
+                    <a:pt x="699389" y="4268"/>
+                    <a:pt x="838038" y="-4296"/>
+                    <a:pt x="1042620" y="0"/>
+                  </a:cubicBezTo>
+                  <a:cubicBezTo>
+                    <a:pt x="1247202" y="4296"/>
+                    <a:pt x="1418238" y="-20161"/>
+                    <a:pt x="1595846" y="0"/>
+                  </a:cubicBezTo>
+                  <a:cubicBezTo>
+                    <a:pt x="1773454" y="20161"/>
+                    <a:pt x="1930348" y="288"/>
+                    <a:pt x="2127795" y="0"/>
+                  </a:cubicBezTo>
+                  <a:cubicBezTo>
+                    <a:pt x="2127420" y="271704"/>
+                    <a:pt x="2137858" y="397892"/>
+                    <a:pt x="2127795" y="553383"/>
+                  </a:cubicBezTo>
+                  <a:cubicBezTo>
+                    <a:pt x="2117732" y="708874"/>
+                    <a:pt x="2106280" y="956975"/>
+                    <a:pt x="2127795" y="1085065"/>
+                  </a:cubicBezTo>
+                  <a:cubicBezTo>
+                    <a:pt x="1890946" y="1101697"/>
+                    <a:pt x="1709293" y="1081968"/>
+                    <a:pt x="1553290" y="1085065"/>
+                  </a:cubicBezTo>
+                  <a:cubicBezTo>
+                    <a:pt x="1397287" y="1088162"/>
+                    <a:pt x="1242166" y="1089720"/>
+                    <a:pt x="978786" y="1085065"/>
+                  </a:cubicBezTo>
+                  <a:cubicBezTo>
+                    <a:pt x="715406" y="1080410"/>
+                    <a:pt x="281211" y="1084892"/>
+                    <a:pt x="0" y="1085065"/>
+                  </a:cubicBezTo>
+                  <a:cubicBezTo>
+                    <a:pt x="-13849" y="960040"/>
+                    <a:pt x="-19899" y="725067"/>
+                    <a:pt x="0" y="553383"/>
+                  </a:cubicBezTo>
+                  <a:cubicBezTo>
+                    <a:pt x="19899" y="381699"/>
+                    <a:pt x="-3693" y="272116"/>
+                    <a:pt x="0" y="0"/>
+                  </a:cubicBezTo>
+                  <a:close/>
+                </a:path>
+                <a:path w="2127795" h="1085065" stroke="0" extrusionOk="0">
+                  <a:moveTo>
+                    <a:pt x="0" y="0"/>
+                  </a:moveTo>
+                  <a:cubicBezTo>
+                    <a:pt x="171248" y="-8495"/>
+                    <a:pt x="325453" y="21877"/>
+                    <a:pt x="510671" y="0"/>
+                  </a:cubicBezTo>
+                  <a:cubicBezTo>
+                    <a:pt x="695889" y="-21877"/>
+                    <a:pt x="802356" y="-16277"/>
+                    <a:pt x="978786" y="0"/>
+                  </a:cubicBezTo>
+                  <a:cubicBezTo>
+                    <a:pt x="1155217" y="16277"/>
+                    <a:pt x="1321550" y="15209"/>
+                    <a:pt x="1553290" y="0"/>
+                  </a:cubicBezTo>
+                  <a:cubicBezTo>
+                    <a:pt x="1785030" y="-15209"/>
+                    <a:pt x="1999571" y="-24705"/>
+                    <a:pt x="2127795" y="0"/>
+                  </a:cubicBezTo>
+                  <a:cubicBezTo>
+                    <a:pt x="2106315" y="169500"/>
+                    <a:pt x="2151273" y="285308"/>
+                    <a:pt x="2127795" y="531682"/>
+                  </a:cubicBezTo>
+                  <a:cubicBezTo>
+                    <a:pt x="2104317" y="778056"/>
+                    <a:pt x="2118403" y="967639"/>
+                    <a:pt x="2127795" y="1085065"/>
+                  </a:cubicBezTo>
+                  <a:cubicBezTo>
+                    <a:pt x="1970448" y="1066755"/>
+                    <a:pt x="1767058" y="1074801"/>
+                    <a:pt x="1595846" y="1085065"/>
+                  </a:cubicBezTo>
+                  <a:cubicBezTo>
+                    <a:pt x="1424634" y="1095329"/>
+                    <a:pt x="1144488" y="1080688"/>
+                    <a:pt x="1021342" y="1085065"/>
+                  </a:cubicBezTo>
+                  <a:cubicBezTo>
+                    <a:pt x="898196" y="1089442"/>
+                    <a:pt x="704334" y="1073542"/>
+                    <a:pt x="553227" y="1085065"/>
+                  </a:cubicBezTo>
+                  <a:cubicBezTo>
+                    <a:pt x="402121" y="1096588"/>
+                    <a:pt x="151220" y="1095466"/>
+                    <a:pt x="0" y="1085065"/>
+                  </a:cubicBezTo>
+                  <a:cubicBezTo>
+                    <a:pt x="21856" y="935562"/>
+                    <a:pt x="-26363" y="762075"/>
+                    <a:pt x="0" y="542533"/>
+                  </a:cubicBezTo>
+                  <a:cubicBezTo>
+                    <a:pt x="26363" y="322991"/>
+                    <a:pt x="24427" y="211558"/>
+                    <a:pt x="0" y="0"/>
+                  </a:cubicBezTo>
+                  <a:close/>
+                </a:path>
+              </a:pathLst>
+            </a:custGeom>
+            <a:solidFill>
+              <a:schemeClr val="accent4">
+                <a:lumMod val="60000"/>
+                <a:lumOff val="40000"/>
+              </a:schemeClr>
+            </a:solidFill>
+            <a:ln w="12700">
+              <a:solidFill>
+                <a:schemeClr val="tx1"/>
+              </a:solidFill>
+              <a:extLst>
+                <a:ext uri="{C807C97D-BFC1-408E-A445-0C87EB9F89A2}">
+                  <ask:lineSketchStyleProps xmlns:ask="http://schemas.microsoft.com/office/drawing/2018/sketchyshapes" sd="1219033472">
+                    <a:prstGeom prst="rect">
+                      <a:avLst/>
+                    </a:prstGeom>
+                    <ask:type>
+                      <ask:lineSketchFreehand/>
+                    </ask:type>
+                  </ask:lineSketchStyleProps>
+                </a:ext>
+              </a:extLst>
+            </a:ln>
+            <a:effectLst/>
+          </p:spPr>
+          <p:style>
+            <a:lnRef idx="1">
+              <a:schemeClr val="accent4"/>
+            </a:lnRef>
+            <a:fillRef idx="2">
+              <a:schemeClr val="accent4"/>
+            </a:fillRef>
+            <a:effectRef idx="1">
+              <a:schemeClr val="accent4"/>
+            </a:effectRef>
+            <a:fontRef idx="minor">
+              <a:schemeClr val="dk1"/>
+            </a:fontRef>
+          </p:style>
+          <p:txBody>
+            <a:bodyPr rtlCol="0" anchor="ctr"/>
+            <a:lstStyle/>
+            <a:p>
+              <a:pPr algn="ctr"/>
+              <a:r>
+                <a:rPr lang="en-US" sz="1600" dirty="0"/>
+                <a:t>Let’s see what happens if the user inputs “C”</a:t>
               </a:r>
             </a:p>
           </p:txBody>
@@ -5592,6 +5863,20 @@
 <file path=ppt/slides/slide10.xml><?xml version="1.0" encoding="utf-8"?>
 <p:sld xmlns:a="http://schemas.openxmlformats.org/drawingml/2006/main" xmlns:r="http://schemas.openxmlformats.org/officeDocument/2006/relationships" xmlns:p="http://schemas.openxmlformats.org/presentationml/2006/main">
   <p:cSld>
+    <p:bg>
+      <p:bgPr>
+        <a:blipFill dpi="0" rotWithShape="1">
+          <a:blip r:embed="rId2">
+            <a:lum/>
+          </a:blip>
+          <a:srcRect/>
+          <a:stretch>
+            <a:fillRect/>
+          </a:stretch>
+        </a:blipFill>
+        <a:effectLst/>
+      </p:bgPr>
+    </p:bg>
     <p:spTree>
       <p:nvGrpSpPr>
         <p:cNvPr id="1" name=""/>
@@ -5641,7 +5926,7 @@
           <p:spPr>
             <a:xfrm>
               <a:off x="2275695" y="-2609268"/>
-              <a:ext cx="5046276" cy="2554545"/>
+              <a:ext cx="5046276" cy="2800767"/>
             </a:xfrm>
             <a:prstGeom prst="rect">
               <a:avLst/>
@@ -5706,7 +5991,7 @@
               </a:pPr>
               <a:r>
                 <a:rPr lang="en-AU" sz="1600" dirty="0"/>
-                <a:t>    case "C#":</a:t>
+                <a:t>  case "C#":</a:t>
               </a:r>
             </a:p>
             <a:p>
@@ -5722,7 +6007,7 @@
                     </a:schemeClr>
                   </a:solidFill>
                 </a:rPr>
-                <a:t>        WriteLine("Good choice, C# is a fine language.");</a:t>
+                <a:t>    WriteLine("Good choice, C# is a fine language.");</a:t>
               </a:r>
             </a:p>
             <a:p>
@@ -5738,7 +6023,7 @@
                     </a:schemeClr>
                   </a:solidFill>
                 </a:rPr>
-                <a:t>        break;</a:t>
+                <a:t>    break;</a:t>
               </a:r>
             </a:p>
             <a:p>
@@ -5748,7 +6033,7 @@
               </a:pPr>
               <a:r>
                 <a:rPr lang="en-AU" sz="1600" dirty="0"/>
-                <a:t>    case "C":</a:t>
+                <a:t>  case "C":</a:t>
               </a:r>
             </a:p>
             <a:p>
@@ -5758,7 +6043,7 @@
               </a:pPr>
               <a:r>
                 <a:rPr lang="en-AU" sz="1600" dirty="0"/>
-                <a:t>    case "C++":</a:t>
+                <a:t>  case "C++":</a:t>
               </a:r>
             </a:p>
             <a:p>
@@ -5774,7 +6059,7 @@
                     </a:schemeClr>
                   </a:solidFill>
                 </a:rPr>
-                <a:t>        WriteLine("These are great languages.");</a:t>
+                <a:t>    WriteLine("These are great low level languages - we will be using these soon!");</a:t>
               </a:r>
             </a:p>
             <a:p>
@@ -5790,7 +6075,7 @@
                     </a:schemeClr>
                   </a:solidFill>
                 </a:rPr>
-                <a:t>        break;</a:t>
+                <a:t>    break;</a:t>
               </a:r>
             </a:p>
             <a:p>
@@ -5806,7 +6091,7 @@
                     </a:schemeClr>
                   </a:solidFill>
                 </a:rPr>
-                <a:t>    default:</a:t>
+                <a:t>  default:</a:t>
               </a:r>
             </a:p>
           </p:txBody>
@@ -5846,7 +6131,7 @@
               <p:nvPr/>
             </p:nvPicPr>
             <p:blipFill>
-              <a:blip r:embed="rId2">
+              <a:blip r:embed="rId3">
                 <a:alphaModFix amt="30000"/>
               </a:blip>
               <a:stretch>
@@ -7945,7 +8230,7 @@
             <p:nvPr/>
           </p:nvPicPr>
           <p:blipFill>
-            <a:blip r:embed="rId3">
+            <a:blip r:embed="rId4">
               <a:alphaModFix amt="30000"/>
             </a:blip>
             <a:stretch>
@@ -8358,6 +8643,20 @@
 <file path=ppt/slides/slide11.xml><?xml version="1.0" encoding="utf-8"?>
 <p:sld xmlns:a="http://schemas.openxmlformats.org/drawingml/2006/main" xmlns:r="http://schemas.openxmlformats.org/officeDocument/2006/relationships" xmlns:p="http://schemas.openxmlformats.org/presentationml/2006/main">
   <p:cSld>
+    <p:bg>
+      <p:bgPr>
+        <a:blipFill dpi="0" rotWithShape="1">
+          <a:blip r:embed="rId2">
+            <a:lum/>
+          </a:blip>
+          <a:srcRect/>
+          <a:stretch>
+            <a:fillRect/>
+          </a:stretch>
+        </a:blipFill>
+        <a:effectLst/>
+      </p:bgPr>
+    </p:bg>
     <p:spTree>
       <p:nvGrpSpPr>
         <p:cNvPr id="1" name=""/>
@@ -8387,7 +8686,7 @@
         <p:spPr>
           <a:xfrm>
             <a:off x="2273467" y="583701"/>
-            <a:ext cx="5046276" cy="2308324"/>
+            <a:ext cx="5046276" cy="2554545"/>
           </a:xfrm>
           <a:prstGeom prst="rect">
             <a:avLst/>
@@ -8412,7 +8711,7 @@
                   </a:schemeClr>
                 </a:solidFill>
               </a:rPr>
-              <a:t>    case "C":</a:t>
+              <a:t>  case "C":</a:t>
             </a:r>
           </a:p>
           <a:p>
@@ -8428,7 +8727,7 @@
                   </a:schemeClr>
                 </a:solidFill>
               </a:rPr>
-              <a:t>    case "C++":</a:t>
+              <a:t>  case "C++":</a:t>
             </a:r>
           </a:p>
           <a:p>
@@ -8444,7 +8743,7 @@
                   </a:schemeClr>
                 </a:solidFill>
               </a:rPr>
-              <a:t>        WriteLine("These are great low level languages.");</a:t>
+              <a:t>    WriteLine("These are great low level languages - we will be using these soon!");</a:t>
             </a:r>
           </a:p>
           <a:p>
@@ -8460,7 +8759,7 @@
                   </a:schemeClr>
                 </a:solidFill>
               </a:rPr>
-              <a:t>        break;</a:t>
+              <a:t>    break;</a:t>
             </a:r>
           </a:p>
           <a:p>
@@ -8470,7 +8769,7 @@
             </a:pPr>
             <a:r>
               <a:rPr lang="en-AU" sz="1600" dirty="0"/>
-              <a:t>    default:</a:t>
+              <a:t>  default:</a:t>
             </a:r>
           </a:p>
           <a:p>
@@ -8480,7 +8779,7 @@
             </a:pPr>
             <a:r>
               <a:rPr lang="en-AU" sz="1600" dirty="0"/>
-              <a:t>        WriteLine("Well... good luck with that!");</a:t>
+              <a:t>    WriteLine("Well... good luck with that!");</a:t>
             </a:r>
           </a:p>
           <a:p>
@@ -8544,7 +8843,7 @@
             <p:nvPr/>
           </p:nvPicPr>
           <p:blipFill>
-            <a:blip r:embed="rId2">
+            <a:blip r:embed="rId3">
               <a:alphaModFix amt="30000"/>
             </a:blip>
             <a:stretch>
@@ -10513,7 +10812,7 @@
           <p:nvPr/>
         </p:nvPicPr>
         <p:blipFill>
-          <a:blip r:embed="rId3">
+          <a:blip r:embed="rId4">
             <a:alphaModFix amt="30000"/>
           </a:blip>
           <a:stretch>
@@ -10804,7 +11103,7 @@
                   </a:schemeClr>
                 </a:solidFill>
               </a:rPr>
-              <a:t>These are great low level languages.</a:t>
+              <a:t>These are great low level languages…</a:t>
             </a:r>
             <a:endParaRPr lang="en-US" dirty="0">
               <a:solidFill>
@@ -10938,6 +11237,20 @@
 <file path=ppt/slides/slide2.xml><?xml version="1.0" encoding="utf-8"?>
 <p:sld xmlns:a="http://schemas.openxmlformats.org/drawingml/2006/main" xmlns:r="http://schemas.openxmlformats.org/officeDocument/2006/relationships" xmlns:p="http://schemas.openxmlformats.org/presentationml/2006/main">
   <p:cSld>
+    <p:bg>
+      <p:bgPr>
+        <a:blipFill dpi="0" rotWithShape="1">
+          <a:blip r:embed="rId2">
+            <a:lum/>
+          </a:blip>
+          <a:srcRect/>
+          <a:stretch>
+            <a:fillRect/>
+          </a:stretch>
+        </a:blipFill>
+        <a:effectLst/>
+      </p:bgPr>
+    </p:bg>
     <p:spTree>
       <p:nvGrpSpPr>
         <p:cNvPr id="1" name=""/>
@@ -11018,7 +11331,7 @@
                   </a:schemeClr>
                 </a:solidFill>
               </a:rPr>
-              <a:t>    case "C#":</a:t>
+              <a:t>  case "C#":</a:t>
             </a:r>
           </a:p>
           <a:p>
@@ -11034,7 +11347,7 @@
                   </a:schemeClr>
                 </a:solidFill>
               </a:rPr>
-              <a:t>        WriteLine("Good choice, C# is a fine language.");</a:t>
+              <a:t>    WriteLine("Good choice, C# is a fine language.");</a:t>
             </a:r>
           </a:p>
           <a:p>
@@ -11050,7 +11363,7 @@
                   </a:schemeClr>
                 </a:solidFill>
               </a:rPr>
-              <a:t>        break;</a:t>
+              <a:t>    break;</a:t>
             </a:r>
           </a:p>
           <a:p>
@@ -11066,7 +11379,7 @@
                   </a:schemeClr>
                 </a:solidFill>
               </a:rPr>
-              <a:t>    case "C":</a:t>
+              <a:t>  case "C":</a:t>
             </a:r>
           </a:p>
           <a:p>
@@ -11082,7 +11395,7 @@
                   </a:schemeClr>
                 </a:solidFill>
               </a:rPr>
-              <a:t>    case "C++":</a:t>
+              <a:t>  case "C++":</a:t>
             </a:r>
           </a:p>
           <a:p>
@@ -11098,7 +11411,7 @@
                   </a:schemeClr>
                 </a:solidFill>
               </a:rPr>
-              <a:t>        WriteLine("These are great languages.");</a:t>
+              <a:t>    WriteLine("These are great low level languages…");</a:t>
             </a:r>
           </a:p>
           <a:p>
@@ -11114,7 +11427,7 @@
                   </a:schemeClr>
                 </a:solidFill>
               </a:rPr>
-              <a:t>        break;</a:t>
+              <a:t>    break;</a:t>
             </a:r>
           </a:p>
         </p:txBody>
@@ -11154,7 +11467,7 @@
             <p:nvPr/>
           </p:nvPicPr>
           <p:blipFill>
-            <a:blip r:embed="rId2">
+            <a:blip r:embed="rId3">
               <a:alphaModFix amt="30000"/>
             </a:blip>
             <a:stretch>
@@ -13197,7 +13510,7 @@
           <p:nvPr/>
         </p:nvPicPr>
         <p:blipFill>
-          <a:blip r:embed="rId3">
+          <a:blip r:embed="rId4">
             <a:alphaModFix amt="30000"/>
           </a:blip>
           <a:stretch>
@@ -13468,6 +13781,20 @@
 <file path=ppt/slides/slide3.xml><?xml version="1.0" encoding="utf-8"?>
 <p:sld xmlns:a="http://schemas.openxmlformats.org/drawingml/2006/main" xmlns:r="http://schemas.openxmlformats.org/officeDocument/2006/relationships" xmlns:p="http://schemas.openxmlformats.org/presentationml/2006/main">
   <p:cSld>
+    <p:bg>
+      <p:bgPr>
+        <a:blipFill dpi="0" rotWithShape="1">
+          <a:blip r:embed="rId2">
+            <a:lum/>
+          </a:blip>
+          <a:srcRect/>
+          <a:stretch>
+            <a:fillRect/>
+          </a:stretch>
+        </a:blipFill>
+        <a:effectLst/>
+      </p:bgPr>
+    </p:bg>
     <p:spTree>
       <p:nvGrpSpPr>
         <p:cNvPr id="1" name=""/>
@@ -13562,7 +13889,7 @@
             </a:pPr>
             <a:r>
               <a:rPr lang="en-AU" sz="1600" dirty="0"/>
-              <a:t>    case "C#":</a:t>
+              <a:t>  case "C#":</a:t>
             </a:r>
           </a:p>
           <a:p>
@@ -13578,7 +13905,7 @@
                   </a:schemeClr>
                 </a:solidFill>
               </a:rPr>
-              <a:t>        WriteLine("Good choice, C# is a fine language.");</a:t>
+              <a:t>    WriteLine("Good choice, C# is a fine language.");</a:t>
             </a:r>
           </a:p>
           <a:p>
@@ -13594,7 +13921,7 @@
                   </a:schemeClr>
                 </a:solidFill>
               </a:rPr>
-              <a:t>        break;</a:t>
+              <a:t>    break;</a:t>
             </a:r>
           </a:p>
           <a:p>
@@ -13610,7 +13937,7 @@
                   </a:schemeClr>
                 </a:solidFill>
               </a:rPr>
-              <a:t>    case "C":</a:t>
+              <a:t>  case "C":</a:t>
             </a:r>
           </a:p>
           <a:p>
@@ -13626,7 +13953,7 @@
                   </a:schemeClr>
                 </a:solidFill>
               </a:rPr>
-              <a:t>    case "C++":</a:t>
+              <a:t>  case "C++":</a:t>
             </a:r>
           </a:p>
           <a:p>
@@ -13642,7 +13969,7 @@
                   </a:schemeClr>
                 </a:solidFill>
               </a:rPr>
-              <a:t>        WriteLine("These are great languages.");</a:t>
+              <a:t>    WriteLine("These are great low level languages…");</a:t>
             </a:r>
           </a:p>
           <a:p>
@@ -13658,7 +13985,7 @@
                   </a:schemeClr>
                 </a:solidFill>
               </a:rPr>
-              <a:t>        break;</a:t>
+              <a:t>    break;</a:t>
             </a:r>
           </a:p>
         </p:txBody>
@@ -13698,7 +14025,7 @@
             <p:nvPr/>
           </p:nvPicPr>
           <p:blipFill>
-            <a:blip r:embed="rId2">
+            <a:blip r:embed="rId3">
               <a:alphaModFix amt="30000"/>
             </a:blip>
             <a:stretch>
@@ -15741,7 +16068,7 @@
           <p:nvPr/>
         </p:nvPicPr>
         <p:blipFill>
-          <a:blip r:embed="rId3">
+          <a:blip r:embed="rId4">
             <a:alphaModFix amt="30000"/>
           </a:blip>
           <a:stretch>
@@ -16059,6 +16386,20 @@
 <file path=ppt/slides/slide4.xml><?xml version="1.0" encoding="utf-8"?>
 <p:sld xmlns:a="http://schemas.openxmlformats.org/drawingml/2006/main" xmlns:r="http://schemas.openxmlformats.org/officeDocument/2006/relationships" xmlns:p="http://schemas.openxmlformats.org/presentationml/2006/main">
   <p:cSld>
+    <p:bg>
+      <p:bgPr>
+        <a:blipFill dpi="0" rotWithShape="1">
+          <a:blip r:embed="rId2">
+            <a:lum/>
+          </a:blip>
+          <a:srcRect/>
+          <a:stretch>
+            <a:fillRect/>
+          </a:stretch>
+        </a:blipFill>
+        <a:effectLst/>
+      </p:bgPr>
+    </p:bg>
     <p:spTree>
       <p:nvGrpSpPr>
         <p:cNvPr id="1" name=""/>
@@ -16159,7 +16500,7 @@
                   </a:schemeClr>
                 </a:solidFill>
               </a:rPr>
-              <a:t>    case "C#":</a:t>
+              <a:t>  case "C#":</a:t>
             </a:r>
           </a:p>
           <a:p>
@@ -16175,7 +16516,7 @@
                   </a:schemeClr>
                 </a:solidFill>
               </a:rPr>
-              <a:t>        WriteLine("Good choice, C# is a fine language.");</a:t>
+              <a:t>    WriteLine("Good choice, C# is a fine language.");</a:t>
             </a:r>
           </a:p>
           <a:p>
@@ -16191,7 +16532,7 @@
                   </a:schemeClr>
                 </a:solidFill>
               </a:rPr>
-              <a:t>        break;</a:t>
+              <a:t>    break;</a:t>
             </a:r>
           </a:p>
           <a:p>
@@ -16201,7 +16542,7 @@
             </a:pPr>
             <a:r>
               <a:rPr lang="en-AU" sz="1600" dirty="0"/>
-              <a:t>    case "C":</a:t>
+              <a:t>  case "C":</a:t>
             </a:r>
           </a:p>
           <a:p>
@@ -16217,7 +16558,7 @@
                   </a:schemeClr>
                 </a:solidFill>
               </a:rPr>
-              <a:t>    case "C++":</a:t>
+              <a:t>  case "C++":</a:t>
             </a:r>
           </a:p>
           <a:p>
@@ -16233,7 +16574,7 @@
                   </a:schemeClr>
                 </a:solidFill>
               </a:rPr>
-              <a:t>        WriteLine("These are great languages.");</a:t>
+              <a:t>    WriteLine("These are great low level languages…");</a:t>
             </a:r>
           </a:p>
           <a:p>
@@ -16249,7 +16590,7 @@
                   </a:schemeClr>
                 </a:solidFill>
               </a:rPr>
-              <a:t>        break;</a:t>
+              <a:t>    break;</a:t>
             </a:r>
           </a:p>
         </p:txBody>
@@ -16289,7 +16630,7 @@
             <p:nvPr/>
           </p:nvPicPr>
           <p:blipFill>
-            <a:blip r:embed="rId2">
+            <a:blip r:embed="rId3">
               <a:alphaModFix amt="30000"/>
             </a:blip>
             <a:stretch>
@@ -18332,7 +18673,7 @@
           <p:nvPr/>
         </p:nvPicPr>
         <p:blipFill>
-          <a:blip r:embed="rId3">
+          <a:blip r:embed="rId4">
             <a:alphaModFix amt="30000"/>
           </a:blip>
           <a:stretch>
@@ -18650,6 +18991,20 @@
 <file path=ppt/slides/slide5.xml><?xml version="1.0" encoding="utf-8"?>
 <p:sld xmlns:a="http://schemas.openxmlformats.org/drawingml/2006/main" xmlns:r="http://schemas.openxmlformats.org/officeDocument/2006/relationships" xmlns:p="http://schemas.openxmlformats.org/presentationml/2006/main">
   <p:cSld>
+    <p:bg>
+      <p:bgPr>
+        <a:blipFill dpi="0" rotWithShape="1">
+          <a:blip r:embed="rId2">
+            <a:lum/>
+          </a:blip>
+          <a:srcRect/>
+          <a:stretch>
+            <a:fillRect/>
+          </a:stretch>
+        </a:blipFill>
+        <a:effectLst/>
+      </p:bgPr>
+    </p:bg>
     <p:spTree>
       <p:nvGrpSpPr>
         <p:cNvPr id="1" name=""/>
@@ -18704,7 +19059,7 @@
                   </a:schemeClr>
                 </a:solidFill>
               </a:rPr>
-              <a:t>    case "C":</a:t>
+              <a:t>  case "C":</a:t>
             </a:r>
           </a:p>
           <a:p>
@@ -18714,7 +19069,7 @@
             </a:pPr>
             <a:r>
               <a:rPr lang="en-AU" sz="1600" dirty="0"/>
-              <a:t>    case "C++":</a:t>
+              <a:t>  case "C++":</a:t>
             </a:r>
           </a:p>
           <a:p>
@@ -18730,7 +19085,7 @@
                   </a:schemeClr>
                 </a:solidFill>
               </a:rPr>
-              <a:t>        WriteLine("These are great languages.");</a:t>
+              <a:t>    WriteLine("These are great low level languages…");</a:t>
             </a:r>
           </a:p>
           <a:p>
@@ -18746,7 +19101,7 @@
                   </a:schemeClr>
                 </a:solidFill>
               </a:rPr>
-              <a:t>        break;</a:t>
+              <a:t>    break;</a:t>
             </a:r>
           </a:p>
           <a:p>
@@ -18762,7 +19117,7 @@
                   </a:schemeClr>
                 </a:solidFill>
               </a:rPr>
-              <a:t>    default:</a:t>
+              <a:t>  default:</a:t>
             </a:r>
           </a:p>
           <a:p>
@@ -18778,7 +19133,7 @@
                   </a:schemeClr>
                 </a:solidFill>
               </a:rPr>
-              <a:t>        WriteLine("Well... good luck with that!");</a:t>
+              <a:t>    WriteLine("Well... good luck with that!");</a:t>
             </a:r>
           </a:p>
           <a:p>
@@ -18866,7 +19221,7 @@
             <p:nvPr/>
           </p:nvPicPr>
           <p:blipFill>
-            <a:blip r:embed="rId2">
+            <a:blip r:embed="rId3">
               <a:alphaModFix amt="30000"/>
             </a:blip>
             <a:stretch>
@@ -20909,7 +21264,7 @@
           <p:nvPr/>
         </p:nvPicPr>
         <p:blipFill>
-          <a:blip r:embed="rId3">
+          <a:blip r:embed="rId4">
             <a:alphaModFix amt="30000"/>
           </a:blip>
           <a:stretch>
@@ -21180,6 +21535,20 @@
 <file path=ppt/slides/slide6.xml><?xml version="1.0" encoding="utf-8"?>
 <p:sld xmlns:a="http://schemas.openxmlformats.org/drawingml/2006/main" xmlns:r="http://schemas.openxmlformats.org/officeDocument/2006/relationships" xmlns:p="http://schemas.openxmlformats.org/presentationml/2006/main">
   <p:cSld>
+    <p:bg>
+      <p:bgPr>
+        <a:blipFill dpi="0" rotWithShape="1">
+          <a:blip r:embed="rId2">
+            <a:lum/>
+          </a:blip>
+          <a:srcRect/>
+          <a:stretch>
+            <a:fillRect/>
+          </a:stretch>
+        </a:blipFill>
+        <a:effectLst/>
+      </p:bgPr>
+    </p:bg>
     <p:spTree>
       <p:nvGrpSpPr>
         <p:cNvPr id="1" name=""/>
@@ -21234,7 +21603,7 @@
                   </a:schemeClr>
                 </a:solidFill>
               </a:rPr>
-              <a:t>    case "C":</a:t>
+              <a:t>  case "C":</a:t>
             </a:r>
           </a:p>
           <a:p>
@@ -21250,7 +21619,7 @@
                   </a:schemeClr>
                 </a:solidFill>
               </a:rPr>
-              <a:t>    case "C++":</a:t>
+              <a:t>  case "C++":</a:t>
             </a:r>
           </a:p>
           <a:p>
@@ -21260,7 +21629,7 @@
             </a:pPr>
             <a:r>
               <a:rPr lang="en-AU" sz="1600" dirty="0"/>
-              <a:t>        WriteLine("These are great languages.");</a:t>
+              <a:t>    WriteLine("These are great low level languages…");</a:t>
             </a:r>
           </a:p>
           <a:p>
@@ -21276,7 +21645,7 @@
                   </a:schemeClr>
                 </a:solidFill>
               </a:rPr>
-              <a:t>        break;</a:t>
+              <a:t>    break;</a:t>
             </a:r>
           </a:p>
           <a:p>
@@ -21292,7 +21661,7 @@
                   </a:schemeClr>
                 </a:solidFill>
               </a:rPr>
-              <a:t>    default:</a:t>
+              <a:t>  default:</a:t>
             </a:r>
           </a:p>
           <a:p>
@@ -21308,7 +21677,7 @@
                   </a:schemeClr>
                 </a:solidFill>
               </a:rPr>
-              <a:t>        WriteLine("Well... good luck with that!");</a:t>
+              <a:t>    WriteLine("Well... good luck with that!");</a:t>
             </a:r>
           </a:p>
           <a:p>
@@ -21396,7 +21765,7 @@
             <p:nvPr/>
           </p:nvPicPr>
           <p:blipFill>
-            <a:blip r:embed="rId2">
+            <a:blip r:embed="rId3">
               <a:alphaModFix amt="30000"/>
             </a:blip>
             <a:stretch>
@@ -23437,7 +23806,7 @@
           <p:nvPr/>
         </p:nvPicPr>
         <p:blipFill>
-          <a:blip r:embed="rId3">
+          <a:blip r:embed="rId4">
             <a:alphaModFix amt="30000"/>
           </a:blip>
           <a:stretch>
@@ -23722,11 +24091,7 @@
           <a:p>
             <a:r>
               <a:rPr lang="en-AU" sz="1800" dirty="0"/>
-              <a:t>These are great languages</a:t>
-            </a:r>
-            <a:r>
-              <a:rPr lang="en-AU" dirty="0"/>
-              <a:t>.</a:t>
+              <a:t>These are great low level languages…</a:t>
             </a:r>
             <a:endParaRPr lang="en-US" dirty="0">
               <a:solidFill>
@@ -23754,6 +24119,20 @@
 <file path=ppt/slides/slide7.xml><?xml version="1.0" encoding="utf-8"?>
 <p:sld xmlns:a="http://schemas.openxmlformats.org/drawingml/2006/main" xmlns:r="http://schemas.openxmlformats.org/officeDocument/2006/relationships" xmlns:p="http://schemas.openxmlformats.org/presentationml/2006/main">
   <p:cSld>
+    <p:bg>
+      <p:bgPr>
+        <a:blipFill dpi="0" rotWithShape="1">
+          <a:blip r:embed="rId2">
+            <a:lum/>
+          </a:blip>
+          <a:srcRect/>
+          <a:stretch>
+            <a:fillRect/>
+          </a:stretch>
+        </a:blipFill>
+        <a:effectLst/>
+      </p:bgPr>
+    </p:bg>
     <p:spTree>
       <p:nvGrpSpPr>
         <p:cNvPr id="1" name=""/>
@@ -23808,7 +24187,7 @@
                   </a:schemeClr>
                 </a:solidFill>
               </a:rPr>
-              <a:t>    case "C":</a:t>
+              <a:t>  case "C":</a:t>
             </a:r>
           </a:p>
           <a:p>
@@ -23824,7 +24203,7 @@
                   </a:schemeClr>
                 </a:solidFill>
               </a:rPr>
-              <a:t>    case "C++":</a:t>
+              <a:t>  case "C++":</a:t>
             </a:r>
           </a:p>
           <a:p>
@@ -23840,7 +24219,7 @@
                   </a:schemeClr>
                 </a:solidFill>
               </a:rPr>
-              <a:t>        WriteLine("These are great languages.");</a:t>
+              <a:t>    WriteLine("These are great low level languages…");</a:t>
             </a:r>
           </a:p>
           <a:p>
@@ -23850,7 +24229,7 @@
             </a:pPr>
             <a:r>
               <a:rPr lang="en-AU" sz="1600" dirty="0"/>
-              <a:t>        break;</a:t>
+              <a:t>    break;</a:t>
             </a:r>
           </a:p>
           <a:p>
@@ -23866,7 +24245,7 @@
                   </a:schemeClr>
                 </a:solidFill>
               </a:rPr>
-              <a:t>    default:</a:t>
+              <a:t>  default:</a:t>
             </a:r>
           </a:p>
           <a:p>
@@ -23882,7 +24261,7 @@
                   </a:schemeClr>
                 </a:solidFill>
               </a:rPr>
-              <a:t>        WriteLine("Well... good luck with that!");</a:t>
+              <a:t>    WriteLine("Well... good luck with that!");</a:t>
             </a:r>
           </a:p>
           <a:p>
@@ -23970,7 +24349,7 @@
             <p:nvPr/>
           </p:nvPicPr>
           <p:blipFill>
-            <a:blip r:embed="rId2">
+            <a:blip r:embed="rId3">
               <a:alphaModFix amt="30000"/>
             </a:blip>
             <a:stretch>
@@ -26013,7 +26392,7 @@
           <p:nvPr/>
         </p:nvPicPr>
         <p:blipFill>
-          <a:blip r:embed="rId3">
+          <a:blip r:embed="rId4">
             <a:alphaModFix amt="30000"/>
           </a:blip>
           <a:stretch>
@@ -26304,7 +26683,7 @@
                   </a:schemeClr>
                 </a:solidFill>
               </a:rPr>
-              <a:t>These are great languages.</a:t>
+              <a:t>These are great low level languages…</a:t>
             </a:r>
             <a:endParaRPr lang="en-US" dirty="0">
               <a:solidFill>
@@ -26332,6 +26711,20 @@
 <file path=ppt/slides/slide8.xml><?xml version="1.0" encoding="utf-8"?>
 <p:sld xmlns:a="http://schemas.openxmlformats.org/drawingml/2006/main" xmlns:r="http://schemas.openxmlformats.org/officeDocument/2006/relationships" xmlns:p="http://schemas.openxmlformats.org/presentationml/2006/main">
   <p:cSld>
+    <p:bg>
+      <p:bgPr>
+        <a:blipFill dpi="0" rotWithShape="1">
+          <a:blip r:embed="rId2">
+            <a:lum/>
+          </a:blip>
+          <a:srcRect/>
+          <a:stretch>
+            <a:fillRect/>
+          </a:stretch>
+        </a:blipFill>
+        <a:effectLst/>
+      </p:bgPr>
+    </p:bg>
     <p:spTree>
       <p:nvGrpSpPr>
         <p:cNvPr id="1" name=""/>
@@ -26386,7 +26779,7 @@
                   </a:schemeClr>
                 </a:solidFill>
               </a:rPr>
-              <a:t>    case "C":</a:t>
+              <a:t>  case "C":</a:t>
             </a:r>
           </a:p>
           <a:p>
@@ -26402,7 +26795,7 @@
                   </a:schemeClr>
                 </a:solidFill>
               </a:rPr>
-              <a:t>    case "C++":</a:t>
+              <a:t>  case "C++":</a:t>
             </a:r>
           </a:p>
           <a:p>
@@ -26418,7 +26811,7 @@
                   </a:schemeClr>
                 </a:solidFill>
               </a:rPr>
-              <a:t>        WriteLine("These are great languages.");</a:t>
+              <a:t>    WriteLine("These are great low level languages…");</a:t>
             </a:r>
           </a:p>
           <a:p>
@@ -26434,7 +26827,7 @@
                   </a:schemeClr>
                 </a:solidFill>
               </a:rPr>
-              <a:t>        break;</a:t>
+              <a:t>    break;</a:t>
             </a:r>
           </a:p>
           <a:p>
@@ -26450,7 +26843,7 @@
                   </a:schemeClr>
                 </a:solidFill>
               </a:rPr>
-              <a:t>    default:</a:t>
+              <a:t>  default:</a:t>
             </a:r>
           </a:p>
           <a:p>
@@ -26466,7 +26859,7 @@
                   </a:schemeClr>
                 </a:solidFill>
               </a:rPr>
-              <a:t>        WriteLine("Well... good luck with that!");</a:t>
+              <a:t>    WriteLine("Well... good luck with that!");</a:t>
             </a:r>
           </a:p>
           <a:p>
@@ -26548,7 +26941,7 @@
             <p:nvPr/>
           </p:nvPicPr>
           <p:blipFill>
-            <a:blip r:embed="rId2">
+            <a:blip r:embed="rId3">
               <a:alphaModFix amt="30000"/>
             </a:blip>
             <a:stretch>
@@ -28546,7 +28939,7 @@
           <p:nvPr/>
         </p:nvPicPr>
         <p:blipFill>
-          <a:blip r:embed="rId3">
+          <a:blip r:embed="rId4">
             <a:alphaModFix amt="30000"/>
           </a:blip>
           <a:stretch>
@@ -28837,7 +29230,7 @@
                   </a:schemeClr>
                 </a:solidFill>
               </a:rPr>
-              <a:t>These are great languages.</a:t>
+              <a:t>These are great low level languages…</a:t>
             </a:r>
             <a:endParaRPr lang="en-US" dirty="0">
               <a:solidFill>
@@ -28900,6 +29293,20 @@
 <file path=ppt/slides/slide9.xml><?xml version="1.0" encoding="utf-8"?>
 <p:sld xmlns:a="http://schemas.openxmlformats.org/drawingml/2006/main" xmlns:r="http://schemas.openxmlformats.org/officeDocument/2006/relationships" xmlns:p="http://schemas.openxmlformats.org/presentationml/2006/main">
   <p:cSld>
+    <p:bg>
+      <p:bgPr>
+        <a:blipFill dpi="0" rotWithShape="1">
+          <a:blip r:embed="rId2">
+            <a:lum/>
+          </a:blip>
+          <a:srcRect/>
+          <a:stretch>
+            <a:fillRect/>
+          </a:stretch>
+        </a:blipFill>
+        <a:effectLst/>
+      </p:bgPr>
+    </p:bg>
     <p:spTree>
       <p:nvGrpSpPr>
         <p:cNvPr id="1" name=""/>
@@ -29159,7 +29566,7 @@
               <p:nvPr/>
             </p:nvPicPr>
             <p:blipFill>
-              <a:blip r:embed="rId2">
+              <a:blip r:embed="rId3">
                 <a:alphaModFix amt="30000"/>
               </a:blip>
               <a:stretch>
@@ -31250,7 +31657,7 @@
             <p:nvPr/>
           </p:nvPicPr>
           <p:blipFill>
-            <a:blip r:embed="rId3">
+            <a:blip r:embed="rId4">
               <a:alphaModFix amt="30000"/>
             </a:blip>
             <a:stretch>
@@ -31339,6 +31746,272 @@
               <a:r>
                 <a:rPr lang="en-US" dirty="0"/>
                 <a:t>Fortran</a:t>
+              </a:r>
+            </a:p>
+          </p:txBody>
+        </p:sp>
+        <p:sp>
+          <p:nvSpPr>
+            <p:cNvPr id="9" name="Rectangle 8">
+              <a:extLst>
+                <a:ext uri="{FF2B5EF4-FFF2-40B4-BE49-F238E27FC236}">
+                  <a16:creationId xmlns:a16="http://schemas.microsoft.com/office/drawing/2014/main" id="{5DC39B20-F863-7C67-FD78-60CFCC23A0E8}"/>
+                </a:ext>
+              </a:extLst>
+            </p:cNvPr>
+            <p:cNvSpPr/>
+            <p:nvPr/>
+          </p:nvSpPr>
+          <p:spPr>
+            <a:xfrm>
+              <a:off x="5034017" y="-2432404"/>
+              <a:ext cx="2127795" cy="1085065"/>
+            </a:xfrm>
+            <a:custGeom>
+              <a:avLst/>
+              <a:gdLst>
+                <a:gd name="connsiteX0" fmla="*/ 0 w 2127795"/>
+                <a:gd name="connsiteY0" fmla="*/ 0 h 1085065"/>
+                <a:gd name="connsiteX1" fmla="*/ 510671 w 2127795"/>
+                <a:gd name="connsiteY1" fmla="*/ 0 h 1085065"/>
+                <a:gd name="connsiteX2" fmla="*/ 1042620 w 2127795"/>
+                <a:gd name="connsiteY2" fmla="*/ 0 h 1085065"/>
+                <a:gd name="connsiteX3" fmla="*/ 1595846 w 2127795"/>
+                <a:gd name="connsiteY3" fmla="*/ 0 h 1085065"/>
+                <a:gd name="connsiteX4" fmla="*/ 2127795 w 2127795"/>
+                <a:gd name="connsiteY4" fmla="*/ 0 h 1085065"/>
+                <a:gd name="connsiteX5" fmla="*/ 2127795 w 2127795"/>
+                <a:gd name="connsiteY5" fmla="*/ 553383 h 1085065"/>
+                <a:gd name="connsiteX6" fmla="*/ 2127795 w 2127795"/>
+                <a:gd name="connsiteY6" fmla="*/ 1085065 h 1085065"/>
+                <a:gd name="connsiteX7" fmla="*/ 1553290 w 2127795"/>
+                <a:gd name="connsiteY7" fmla="*/ 1085065 h 1085065"/>
+                <a:gd name="connsiteX8" fmla="*/ 978786 w 2127795"/>
+                <a:gd name="connsiteY8" fmla="*/ 1085065 h 1085065"/>
+                <a:gd name="connsiteX9" fmla="*/ 0 w 2127795"/>
+                <a:gd name="connsiteY9" fmla="*/ 1085065 h 1085065"/>
+                <a:gd name="connsiteX10" fmla="*/ 0 w 2127795"/>
+                <a:gd name="connsiteY10" fmla="*/ 553383 h 1085065"/>
+                <a:gd name="connsiteX11" fmla="*/ 0 w 2127795"/>
+                <a:gd name="connsiteY11" fmla="*/ 0 h 1085065"/>
+              </a:gdLst>
+              <a:ahLst/>
+              <a:cxnLst>
+                <a:cxn ang="0">
+                  <a:pos x="connsiteX0" y="connsiteY0"/>
+                </a:cxn>
+                <a:cxn ang="0">
+                  <a:pos x="connsiteX1" y="connsiteY1"/>
+                </a:cxn>
+                <a:cxn ang="0">
+                  <a:pos x="connsiteX2" y="connsiteY2"/>
+                </a:cxn>
+                <a:cxn ang="0">
+                  <a:pos x="connsiteX3" y="connsiteY3"/>
+                </a:cxn>
+                <a:cxn ang="0">
+                  <a:pos x="connsiteX4" y="connsiteY4"/>
+                </a:cxn>
+                <a:cxn ang="0">
+                  <a:pos x="connsiteX5" y="connsiteY5"/>
+                </a:cxn>
+                <a:cxn ang="0">
+                  <a:pos x="connsiteX6" y="connsiteY6"/>
+                </a:cxn>
+                <a:cxn ang="0">
+                  <a:pos x="connsiteX7" y="connsiteY7"/>
+                </a:cxn>
+                <a:cxn ang="0">
+                  <a:pos x="connsiteX8" y="connsiteY8"/>
+                </a:cxn>
+                <a:cxn ang="0">
+                  <a:pos x="connsiteX9" y="connsiteY9"/>
+                </a:cxn>
+                <a:cxn ang="0">
+                  <a:pos x="connsiteX10" y="connsiteY10"/>
+                </a:cxn>
+                <a:cxn ang="0">
+                  <a:pos x="connsiteX11" y="connsiteY11"/>
+                </a:cxn>
+              </a:cxnLst>
+              <a:rect l="l" t="t" r="r" b="b"/>
+              <a:pathLst>
+                <a:path w="2127795" h="1085065" fill="none" extrusionOk="0">
+                  <a:moveTo>
+                    <a:pt x="0" y="0"/>
+                  </a:moveTo>
+                  <a:cubicBezTo>
+                    <a:pt x="119302" y="-23815"/>
+                    <a:pt x="321953" y="-4268"/>
+                    <a:pt x="510671" y="0"/>
+                  </a:cubicBezTo>
+                  <a:cubicBezTo>
+                    <a:pt x="699389" y="4268"/>
+                    <a:pt x="838038" y="-4296"/>
+                    <a:pt x="1042620" y="0"/>
+                  </a:cubicBezTo>
+                  <a:cubicBezTo>
+                    <a:pt x="1247202" y="4296"/>
+                    <a:pt x="1418238" y="-20161"/>
+                    <a:pt x="1595846" y="0"/>
+                  </a:cubicBezTo>
+                  <a:cubicBezTo>
+                    <a:pt x="1773454" y="20161"/>
+                    <a:pt x="1930348" y="288"/>
+                    <a:pt x="2127795" y="0"/>
+                  </a:cubicBezTo>
+                  <a:cubicBezTo>
+                    <a:pt x="2127420" y="271704"/>
+                    <a:pt x="2137858" y="397892"/>
+                    <a:pt x="2127795" y="553383"/>
+                  </a:cubicBezTo>
+                  <a:cubicBezTo>
+                    <a:pt x="2117732" y="708874"/>
+                    <a:pt x="2106280" y="956975"/>
+                    <a:pt x="2127795" y="1085065"/>
+                  </a:cubicBezTo>
+                  <a:cubicBezTo>
+                    <a:pt x="1890946" y="1101697"/>
+                    <a:pt x="1709293" y="1081968"/>
+                    <a:pt x="1553290" y="1085065"/>
+                  </a:cubicBezTo>
+                  <a:cubicBezTo>
+                    <a:pt x="1397287" y="1088162"/>
+                    <a:pt x="1242166" y="1089720"/>
+                    <a:pt x="978786" y="1085065"/>
+                  </a:cubicBezTo>
+                  <a:cubicBezTo>
+                    <a:pt x="715406" y="1080410"/>
+                    <a:pt x="281211" y="1084892"/>
+                    <a:pt x="0" y="1085065"/>
+                  </a:cubicBezTo>
+                  <a:cubicBezTo>
+                    <a:pt x="-13849" y="960040"/>
+                    <a:pt x="-19899" y="725067"/>
+                    <a:pt x="0" y="553383"/>
+                  </a:cubicBezTo>
+                  <a:cubicBezTo>
+                    <a:pt x="19899" y="381699"/>
+                    <a:pt x="-3693" y="272116"/>
+                    <a:pt x="0" y="0"/>
+                  </a:cubicBezTo>
+                  <a:close/>
+                </a:path>
+                <a:path w="2127795" h="1085065" stroke="0" extrusionOk="0">
+                  <a:moveTo>
+                    <a:pt x="0" y="0"/>
+                  </a:moveTo>
+                  <a:cubicBezTo>
+                    <a:pt x="171248" y="-8495"/>
+                    <a:pt x="325453" y="21877"/>
+                    <a:pt x="510671" y="0"/>
+                  </a:cubicBezTo>
+                  <a:cubicBezTo>
+                    <a:pt x="695889" y="-21877"/>
+                    <a:pt x="802356" y="-16277"/>
+                    <a:pt x="978786" y="0"/>
+                  </a:cubicBezTo>
+                  <a:cubicBezTo>
+                    <a:pt x="1155217" y="16277"/>
+                    <a:pt x="1321550" y="15209"/>
+                    <a:pt x="1553290" y="0"/>
+                  </a:cubicBezTo>
+                  <a:cubicBezTo>
+                    <a:pt x="1785030" y="-15209"/>
+                    <a:pt x="1999571" y="-24705"/>
+                    <a:pt x="2127795" y="0"/>
+                  </a:cubicBezTo>
+                  <a:cubicBezTo>
+                    <a:pt x="2106315" y="169500"/>
+                    <a:pt x="2151273" y="285308"/>
+                    <a:pt x="2127795" y="531682"/>
+                  </a:cubicBezTo>
+                  <a:cubicBezTo>
+                    <a:pt x="2104317" y="778056"/>
+                    <a:pt x="2118403" y="967639"/>
+                    <a:pt x="2127795" y="1085065"/>
+                  </a:cubicBezTo>
+                  <a:cubicBezTo>
+                    <a:pt x="1970448" y="1066755"/>
+                    <a:pt x="1767058" y="1074801"/>
+                    <a:pt x="1595846" y="1085065"/>
+                  </a:cubicBezTo>
+                  <a:cubicBezTo>
+                    <a:pt x="1424634" y="1095329"/>
+                    <a:pt x="1144488" y="1080688"/>
+                    <a:pt x="1021342" y="1085065"/>
+                  </a:cubicBezTo>
+                  <a:cubicBezTo>
+                    <a:pt x="898196" y="1089442"/>
+                    <a:pt x="704334" y="1073542"/>
+                    <a:pt x="553227" y="1085065"/>
+                  </a:cubicBezTo>
+                  <a:cubicBezTo>
+                    <a:pt x="402121" y="1096588"/>
+                    <a:pt x="151220" y="1095466"/>
+                    <a:pt x="0" y="1085065"/>
+                  </a:cubicBezTo>
+                  <a:cubicBezTo>
+                    <a:pt x="21856" y="935562"/>
+                    <a:pt x="-26363" y="762075"/>
+                    <a:pt x="0" y="542533"/>
+                  </a:cubicBezTo>
+                  <a:cubicBezTo>
+                    <a:pt x="26363" y="322991"/>
+                    <a:pt x="24427" y="211558"/>
+                    <a:pt x="0" y="0"/>
+                  </a:cubicBezTo>
+                  <a:close/>
+                </a:path>
+              </a:pathLst>
+            </a:custGeom>
+            <a:solidFill>
+              <a:schemeClr val="accent4">
+                <a:lumMod val="60000"/>
+                <a:lumOff val="40000"/>
+              </a:schemeClr>
+            </a:solidFill>
+            <a:ln w="12700">
+              <a:solidFill>
+                <a:schemeClr val="tx1"/>
+              </a:solidFill>
+              <a:extLst>
+                <a:ext uri="{C807C97D-BFC1-408E-A445-0C87EB9F89A2}">
+                  <ask:lineSketchStyleProps xmlns:ask="http://schemas.microsoft.com/office/drawing/2018/sketchyshapes" sd="1219033472">
+                    <a:prstGeom prst="rect">
+                      <a:avLst/>
+                    </a:prstGeom>
+                    <ask:type>
+                      <ask:lineSketchFreehand/>
+                    </ask:type>
+                  </ask:lineSketchStyleProps>
+                </a:ext>
+              </a:extLst>
+            </a:ln>
+            <a:effectLst/>
+          </p:spPr>
+          <p:style>
+            <a:lnRef idx="1">
+              <a:schemeClr val="accent4"/>
+            </a:lnRef>
+            <a:fillRef idx="2">
+              <a:schemeClr val="accent4"/>
+            </a:fillRef>
+            <a:effectRef idx="1">
+              <a:schemeClr val="accent4"/>
+            </a:effectRef>
+            <a:fontRef idx="minor">
+              <a:schemeClr val="dk1"/>
+            </a:fontRef>
+          </p:style>
+          <p:txBody>
+            <a:bodyPr rtlCol="0" anchor="ctr"/>
+            <a:lstStyle/>
+            <a:p>
+              <a:pPr algn="ctr"/>
+              <a:r>
+                <a:rPr lang="en-US" sz="1600" dirty="0"/>
+                <a:t>Let’s see what happens if the user inputs “Fortran”</a:t>
               </a:r>
             </a:p>
           </p:txBody>
